--- a/기획 연습용/공통가이드.pptx
+++ b/기획 연습용/공통가이드.pptx
@@ -43,16 +43,16 @@
       <p:boldItalic r:id="rId24"/>
     </p:embeddedFont>
     <p:embeddedFont>
-      <p:font typeface="나눔스퀘어 ExtraBold" panose="020B0600000101010101" pitchFamily="50" charset="-127"/>
+      <p:font typeface="나눔스퀘어 Bold" panose="020B0600000101010101" pitchFamily="50" charset="-127"/>
       <p:bold r:id="rId25"/>
     </p:embeddedFont>
     <p:embeddedFont>
-      <p:font typeface="나눔스퀘어 Bold" panose="020B0600000101010101" pitchFamily="50" charset="-127"/>
-      <p:bold r:id="rId26"/>
+      <p:font typeface="나눔스퀘어" panose="020B0600000101010101" pitchFamily="50" charset="-127"/>
+      <p:regular r:id="rId26"/>
     </p:embeddedFont>
     <p:embeddedFont>
-      <p:font typeface="나눔스퀘어" panose="020B0600000101010101" pitchFamily="50" charset="-127"/>
-      <p:regular r:id="rId27"/>
+      <p:font typeface="나눔스퀘어 ExtraBold" panose="020B0600000101010101" pitchFamily="50" charset="-127"/>
+      <p:bold r:id="rId27"/>
     </p:embeddedFont>
   </p:embeddedFontLst>
   <p:defaultTextStyle>
@@ -274,7 +274,7 @@
           <a:p>
             <a:fld id="{0A227BDC-F1A2-4418-A73D-1AF0F0F4EF66}" type="datetimeFigureOut">
               <a:rPr lang="ko-KR" altLang="en-US" smtClean="0"/>
-              <a:t>2019-10-08</a:t>
+              <a:t>2019-10-10</a:t>
             </a:fld>
             <a:endParaRPr lang="ko-KR" altLang="en-US"/>
           </a:p>
@@ -439,7 +439,7 @@
           <a:p>
             <a:fld id="{9159E19E-3788-4F05-88E4-C9D3156A794C}" type="datetimeFigureOut">
               <a:rPr lang="ko-KR" altLang="en-US" smtClean="0"/>
-              <a:t>2019-10-08</a:t>
+              <a:t>2019-10-10</a:t>
             </a:fld>
             <a:endParaRPr lang="ko-KR" altLang="en-US"/>
           </a:p>
@@ -1090,7 +1090,7 @@
           <a:p>
             <a:fld id="{485614EA-84FE-43A2-AC3F-5769DD2DCB9D}" type="datetimeFigureOut">
               <a:rPr lang="ko-KR" altLang="en-US" smtClean="0"/>
-              <a:t>2019-10-08</a:t>
+              <a:t>2019-10-10</a:t>
             </a:fld>
             <a:endParaRPr lang="ko-KR" altLang="en-US"/>
           </a:p>
@@ -10984,14 +10984,14 @@
           <p:nvPr>
             <p:extLst>
               <p:ext uri="{D42A27DB-BD31-4B8C-83A1-F6EECF244321}">
-                <p14:modId xmlns:p14="http://schemas.microsoft.com/office/powerpoint/2010/main" val="1855315283"/>
+                <p14:modId xmlns:p14="http://schemas.microsoft.com/office/powerpoint/2010/main" val="134359269"/>
               </p:ext>
             </p:extLst>
           </p:nvPr>
         </p:nvGraphicFramePr>
         <p:xfrm>
           <a:off x="323051" y="1273869"/>
-          <a:ext cx="8182245" cy="2084880"/>
+          <a:ext cx="8182245" cy="2181033"/>
         </p:xfrm>
         <a:graphic>
           <a:graphicData uri="http://schemas.openxmlformats.org/drawingml/2006/table">
@@ -11806,6 +11806,53 @@
                           <a:cs typeface="+mn-cs"/>
                         </a:rPr>
                         <a:t>유효한 이메일을 입력해주세요</a:t>
+                      </a:r>
+                      <a:r>
+                        <a:rPr lang="en-US" altLang="ko-KR" sz="1000" kern="1200" dirty="0" smtClean="0">
+                          <a:solidFill>
+                            <a:schemeClr val="tx1">
+                              <a:lumMod val="75000"/>
+                              <a:lumOff val="25000"/>
+                            </a:schemeClr>
+                          </a:solidFill>
+                          <a:latin typeface="+mn-ea"/>
+                          <a:ea typeface="+mn-ea"/>
+                          <a:cs typeface="+mn-cs"/>
+                        </a:rPr>
+                        <a:t>.</a:t>
+                      </a:r>
+                    </a:p>
+                    <a:p>
+                      <a:pPr marL="0" marR="0" lvl="0" indent="0" algn="l" defTabSz="914400" rtl="0" eaLnBrk="1" fontAlgn="auto" latinLnBrk="0" hangingPunct="1">
+                        <a:lnSpc>
+                          <a:spcPct val="100000"/>
+                        </a:lnSpc>
+                        <a:spcBef>
+                          <a:spcPts val="0"/>
+                        </a:spcBef>
+                        <a:spcAft>
+                          <a:spcPts val="0"/>
+                        </a:spcAft>
+                        <a:buClrTx/>
+                        <a:buSzTx/>
+                        <a:buFontTx/>
+                        <a:buNone/>
+                        <a:tabLst/>
+                        <a:defRPr/>
+                      </a:pPr>
+                      <a:r>
+                        <a:rPr lang="ko-KR" altLang="en-US" sz="1000" kern="1200" dirty="0" smtClean="0">
+                          <a:solidFill>
+                            <a:schemeClr val="tx1">
+                              <a:lumMod val="75000"/>
+                              <a:lumOff val="25000"/>
+                            </a:schemeClr>
+                          </a:solidFill>
+                          <a:latin typeface="+mn-ea"/>
+                          <a:ea typeface="+mn-ea"/>
+                          <a:cs typeface="+mn-cs"/>
+                        </a:rPr>
+                        <a:t>이메일 주소가 잘못 됐습니다</a:t>
                       </a:r>
                       <a:r>
                         <a:rPr lang="en-US" altLang="ko-KR" sz="1000" kern="1200" dirty="0" smtClean="0">
@@ -13305,14 +13352,14 @@
           <p:nvPr>
             <p:extLst>
               <p:ext uri="{D42A27DB-BD31-4B8C-83A1-F6EECF244321}">
-                <p14:modId xmlns:p14="http://schemas.microsoft.com/office/powerpoint/2010/main" val="903404419"/>
+                <p14:modId xmlns:p14="http://schemas.microsoft.com/office/powerpoint/2010/main" val="3992208923"/>
               </p:ext>
             </p:extLst>
           </p:nvPr>
         </p:nvGraphicFramePr>
         <p:xfrm>
           <a:off x="340637" y="1285561"/>
-          <a:ext cx="8023495" cy="2084880"/>
+          <a:ext cx="8340587" cy="1775118"/>
         </p:xfrm>
         <a:graphic>
           <a:graphicData uri="http://schemas.openxmlformats.org/drawingml/2006/table">
@@ -13321,14 +13368,14 @@
                 <a:tableStyleId>{6E25E649-3F16-4E02-A733-19D2CDBF48F0}</a:tableStyleId>
               </a:tblPr>
               <a:tblGrid>
-                <a:gridCol w="1186588">
+                <a:gridCol w="1204384">
                   <a:extLst>
                     <a:ext uri="{9D8B030D-6E8A-4147-A177-3AD203B41FA5}">
                       <a16:colId xmlns:a16="http://schemas.microsoft.com/office/drawing/2014/main" val="486647355"/>
                     </a:ext>
                   </a:extLst>
                 </a:gridCol>
-                <a:gridCol w="1186588">
+                <a:gridCol w="1485884">
                   <a:extLst>
                     <a:ext uri="{9D8B030D-6E8A-4147-A177-3AD203B41FA5}">
                       <a16:colId xmlns:a16="http://schemas.microsoft.com/office/drawing/2014/main" val="971265253"/>
@@ -13596,7 +13643,7 @@
                   </a:ext>
                 </a:extLst>
               </a:tr>
-              <a:tr h="300087">
+              <a:tr h="290412">
                 <a:tc>
                   <a:txBody>
                     <a:bodyPr/>
@@ -13627,7 +13674,7 @@
                           <a:latin typeface="+mn-ea"/>
                           <a:ea typeface="+mn-ea"/>
                         </a:rPr>
-                        <a:t>6</a:t>
+                        <a:t>1</a:t>
                       </a:r>
                       <a:r>
                         <a:rPr kumimoji="1" lang="ko-KR" altLang="en-US" sz="1000" dirty="0" smtClean="0">
@@ -13637,7 +13684,7 @@
                           <a:latin typeface="+mn-ea"/>
                           <a:ea typeface="+mn-ea"/>
                         </a:rPr>
-                        <a:t>자 미만</a:t>
+                        <a:t>자 이상</a:t>
                       </a:r>
                       <a:endParaRPr kumimoji="1" lang="en-US" altLang="ko-KR" sz="1000" dirty="0">
                         <a:solidFill>
@@ -13700,7 +13747,17 @@
                         <a:tabLst/>
                         <a:defRPr/>
                       </a:pPr>
-                      <a:endParaRPr kumimoji="1" lang="en-US" altLang="ko-KR" sz="1000" dirty="0">
+                      <a:r>
+                        <a:rPr kumimoji="1" lang="ko-KR" altLang="en-US" sz="1000" dirty="0" smtClean="0">
+                          <a:solidFill>
+                            <a:schemeClr val="tx1"/>
+                          </a:solidFill>
+                          <a:latin typeface="+mn-ea"/>
+                          <a:ea typeface="+mn-ea"/>
+                        </a:rPr>
+                        <a:t>규칙에 맞지 않은 경우</a:t>
+                      </a:r>
+                      <a:endParaRPr kumimoji="1" lang="en-US" altLang="ko-KR" sz="1000" dirty="0" smtClean="0">
                         <a:solidFill>
                           <a:schemeClr val="tx1"/>
                         </a:solidFill>
@@ -13782,7 +13839,7 @@
                           <a:ea typeface="+mn-ea"/>
                           <a:cs typeface="+mn-cs"/>
                         </a:rPr>
-                        <a:t>비밀번호는 </a:t>
+                        <a:t>영문</a:t>
                       </a:r>
                       <a:r>
                         <a:rPr lang="en-US" altLang="ko-KR" sz="1000" kern="1200" dirty="0" smtClean="0">
@@ -13796,7 +13853,7 @@
                           <a:ea typeface="+mn-ea"/>
                           <a:cs typeface="+mn-cs"/>
                         </a:rPr>
-                        <a:t>6</a:t>
+                        <a:t>, </a:t>
                       </a:r>
                       <a:r>
                         <a:rPr lang="ko-KR" altLang="en-US" sz="1000" kern="1200" dirty="0" smtClean="0">
@@ -13810,10 +13867,52 @@
                           <a:ea typeface="+mn-ea"/>
                           <a:cs typeface="+mn-cs"/>
                         </a:rPr>
-                        <a:t>자 이상이어야 합니다</a:t>
+                        <a:t>숫자</a:t>
                       </a:r>
                       <a:r>
-                        <a:rPr lang="en-US" altLang="ko-KR" sz="1000" kern="1200" dirty="0" smtClean="0">
+                        <a:rPr lang="ko-KR" altLang="en-US" sz="1000" kern="1200" baseline="0" dirty="0" smtClean="0">
+                          <a:solidFill>
+                            <a:schemeClr val="tx1">
+                              <a:lumMod val="75000"/>
+                              <a:lumOff val="25000"/>
+                            </a:schemeClr>
+                          </a:solidFill>
+                          <a:latin typeface="+mn-ea"/>
+                          <a:ea typeface="+mn-ea"/>
+                          <a:cs typeface="+mn-cs"/>
+                        </a:rPr>
+                        <a:t> 혼합 </a:t>
+                      </a:r>
+                      <a:r>
+                        <a:rPr lang="en-US" altLang="ko-KR" sz="1000" kern="1200" baseline="0" dirty="0" smtClean="0">
+                          <a:solidFill>
+                            <a:schemeClr val="tx1">
+                              <a:lumMod val="75000"/>
+                              <a:lumOff val="25000"/>
+                            </a:schemeClr>
+                          </a:solidFill>
+                          <a:latin typeface="+mn-ea"/>
+                          <a:ea typeface="+mn-ea"/>
+                          <a:cs typeface="+mn-cs"/>
+                        </a:rPr>
+                        <a:t>8-20</a:t>
+                      </a:r>
+                      <a:r>
+                        <a:rPr lang="ko-KR" altLang="en-US" sz="1000" kern="1200" baseline="0" dirty="0" smtClean="0">
+                          <a:solidFill>
+                            <a:schemeClr val="tx1">
+                              <a:lumMod val="75000"/>
+                              <a:lumOff val="25000"/>
+                            </a:schemeClr>
+                          </a:solidFill>
+                          <a:latin typeface="+mn-ea"/>
+                          <a:ea typeface="+mn-ea"/>
+                          <a:cs typeface="+mn-cs"/>
+                        </a:rPr>
+                        <a:t>자로 구성되어야 합니다</a:t>
+                      </a:r>
+                      <a:r>
+                        <a:rPr lang="en-US" altLang="ko-KR" sz="1000" kern="1200" baseline="0" dirty="0" smtClean="0">
                           <a:solidFill>
                             <a:schemeClr val="tx1">
                               <a:lumMod val="75000"/>
@@ -13826,6 +13925,17 @@
                         </a:rPr>
                         <a:t>.</a:t>
                       </a:r>
+                      <a:endParaRPr lang="en-US" altLang="ko-KR" sz="1000" kern="1200" dirty="0" smtClean="0">
+                        <a:solidFill>
+                          <a:schemeClr val="tx1">
+                            <a:lumMod val="75000"/>
+                            <a:lumOff val="25000"/>
+                          </a:schemeClr>
+                        </a:solidFill>
+                        <a:latin typeface="+mn-ea"/>
+                        <a:ea typeface="+mn-ea"/>
+                        <a:cs typeface="+mn-cs"/>
+                      </a:endParaRPr>
                     </a:p>
                   </a:txBody>
                   <a:tcPr anchor="ctr">
@@ -13975,7 +14085,7 @@
                           <a:latin typeface="+mn-ea"/>
                           <a:ea typeface="+mn-ea"/>
                         </a:rPr>
-                        <a:t>6</a:t>
+                        <a:t>8</a:t>
                       </a:r>
                       <a:r>
                         <a:rPr kumimoji="1" lang="ko-KR" altLang="en-US" sz="1000" dirty="0" smtClean="0">
@@ -13985,7 +14095,7 @@
                           <a:latin typeface="+mn-ea"/>
                           <a:ea typeface="+mn-ea"/>
                         </a:rPr>
-                        <a:t>자 초과</a:t>
+                        <a:t>자 이상</a:t>
                       </a:r>
                       <a:endParaRPr kumimoji="1" lang="en-US" altLang="ko-KR" sz="1000" dirty="0">
                         <a:solidFill>
@@ -14157,7 +14267,7 @@
                         <a:t>(</a:t>
                       </a:r>
                       <a:r>
-                        <a:rPr lang="ko-KR" altLang="en-US" sz="1000" kern="1200" dirty="0" err="1" smtClean="0">
+                        <a:rPr lang="ko-KR" altLang="en-US" sz="1000" kern="1200" dirty="0" smtClean="0">
                           <a:solidFill>
                             <a:schemeClr val="tx1">
                               <a:lumMod val="75000"/>
@@ -14168,7 +14278,7 @@
                           <a:ea typeface="+mn-ea"/>
                           <a:cs typeface="+mn-cs"/>
                         </a:rPr>
-                        <a:t>입력필드</a:t>
+                        <a:t>입력 필드 </a:t>
                       </a:r>
                       <a:r>
                         <a:rPr lang="ko-KR" altLang="en-US" sz="1000" kern="1200" dirty="0" smtClean="0">
@@ -14182,7 +14292,7 @@
                           <a:ea typeface="+mn-ea"/>
                           <a:cs typeface="+mn-cs"/>
                         </a:rPr>
-                        <a:t> 우측</a:t>
+                        <a:t>우측</a:t>
                       </a:r>
                       <a:r>
                         <a:rPr lang="en-US" altLang="ko-KR" sz="1000" kern="1200" dirty="0" smtClean="0">
@@ -14199,289 +14309,6 @@
                         <a:t>) </a:t>
                       </a:r>
                       <a:endParaRPr lang="en-US" altLang="ko-KR" sz="1000" kern="1200" dirty="0">
-                        <a:solidFill>
-                          <a:schemeClr val="tx1">
-                            <a:lumMod val="75000"/>
-                            <a:lumOff val="25000"/>
-                          </a:schemeClr>
-                        </a:solidFill>
-                        <a:latin typeface="+mn-ea"/>
-                        <a:ea typeface="+mn-ea"/>
-                        <a:cs typeface="+mn-cs"/>
-                      </a:endParaRPr>
-                    </a:p>
-                  </a:txBody>
-                  <a:tcPr anchor="ctr">
-                    <a:lnL w="3175" cap="flat" cmpd="sng" algn="ctr">
-                      <a:solidFill>
-                        <a:schemeClr val="tx1"/>
-                      </a:solidFill>
-                      <a:prstDash val="solid"/>
-                      <a:round/>
-                      <a:headEnd type="none" w="med" len="med"/>
-                      <a:tailEnd type="none" w="med" len="med"/>
-                    </a:lnL>
-                    <a:lnR w="3175" cap="flat" cmpd="sng" algn="ctr">
-                      <a:solidFill>
-                        <a:schemeClr val="tx1"/>
-                      </a:solidFill>
-                      <a:prstDash val="solid"/>
-                      <a:round/>
-                      <a:headEnd type="none" w="med" len="med"/>
-                      <a:tailEnd type="none" w="med" len="med"/>
-                    </a:lnR>
-                    <a:lnT w="3175" cap="flat" cmpd="sng" algn="ctr">
-                      <a:solidFill>
-                        <a:schemeClr val="tx1"/>
-                      </a:solidFill>
-                      <a:prstDash val="solid"/>
-                      <a:round/>
-                      <a:headEnd type="none" w="med" len="med"/>
-                      <a:tailEnd type="none" w="med" len="med"/>
-                    </a:lnT>
-                    <a:lnB w="3175" cap="flat" cmpd="sng" algn="ctr">
-                      <a:solidFill>
-                        <a:schemeClr val="tx1"/>
-                      </a:solidFill>
-                      <a:prstDash val="solid"/>
-                      <a:round/>
-                      <a:headEnd type="none" w="med" len="med"/>
-                      <a:tailEnd type="none" w="med" len="med"/>
-                    </a:lnB>
-                  </a:tcPr>
-                </a:tc>
-                <a:tc>
-                  <a:txBody>
-                    <a:bodyPr/>
-                    <a:lstStyle/>
-                    <a:p>
-                      <a:pPr marL="0" marR="0" lvl="0" indent="0" algn="ctr" defTabSz="914400" rtl="0" eaLnBrk="1" fontAlgn="auto" latinLnBrk="0" hangingPunct="1">
-                        <a:lnSpc>
-                          <a:spcPct val="100000"/>
-                        </a:lnSpc>
-                        <a:spcBef>
-                          <a:spcPts val="0"/>
-                        </a:spcBef>
-                        <a:spcAft>
-                          <a:spcPts val="0"/>
-                        </a:spcAft>
-                        <a:buClrTx/>
-                        <a:buSzTx/>
-                        <a:buFontTx/>
-                        <a:buNone/>
-                        <a:tabLst/>
-                        <a:defRPr/>
-                      </a:pPr>
-                      <a:r>
-                        <a:rPr kumimoji="1" lang="ko-KR" altLang="en-US" sz="1000" dirty="0" smtClean="0">
-                          <a:solidFill>
-                            <a:schemeClr val="tx1"/>
-                          </a:solidFill>
-                          <a:latin typeface="+mn-ea"/>
-                          <a:ea typeface="+mn-ea"/>
-                        </a:rPr>
-                        <a:t>녹색</a:t>
-                      </a:r>
-                      <a:endParaRPr kumimoji="1" lang="en-US" altLang="ko-KR" sz="1000" dirty="0" smtClean="0">
-                        <a:solidFill>
-                          <a:schemeClr val="tx1"/>
-                        </a:solidFill>
-                        <a:latin typeface="+mn-ea"/>
-                        <a:ea typeface="+mn-ea"/>
-                      </a:endParaRPr>
-                    </a:p>
-                  </a:txBody>
-                  <a:tcPr anchor="ctr">
-                    <a:lnL w="3175" cap="flat" cmpd="sng" algn="ctr">
-                      <a:solidFill>
-                        <a:schemeClr val="tx1"/>
-                      </a:solidFill>
-                      <a:prstDash val="solid"/>
-                      <a:round/>
-                      <a:headEnd type="none" w="med" len="med"/>
-                      <a:tailEnd type="none" w="med" len="med"/>
-                    </a:lnL>
-                    <a:lnT w="3175" cap="flat" cmpd="sng" algn="ctr">
-                      <a:solidFill>
-                        <a:schemeClr val="tx1"/>
-                      </a:solidFill>
-                      <a:prstDash val="solid"/>
-                      <a:round/>
-                      <a:headEnd type="none" w="med" len="med"/>
-                      <a:tailEnd type="none" w="med" len="med"/>
-                    </a:lnT>
-                    <a:lnB w="3175" cap="flat" cmpd="sng" algn="ctr">
-                      <a:solidFill>
-                        <a:schemeClr val="tx1"/>
-                      </a:solidFill>
-                      <a:prstDash val="solid"/>
-                      <a:round/>
-                      <a:headEnd type="none" w="med" len="med"/>
-                      <a:tailEnd type="none" w="med" len="med"/>
-                    </a:lnB>
-                  </a:tcPr>
-                </a:tc>
-                <a:extLst>
-                  <a:ext uri="{0D108BD9-81ED-4DB2-BD59-A6C34878D82A}">
-                    <a16:rowId xmlns:a16="http://schemas.microsoft.com/office/drawing/2014/main" val="2608215365"/>
-                  </a:ext>
-                </a:extLst>
-              </a:tr>
-              <a:tr h="300087">
-                <a:tc>
-                  <a:txBody>
-                    <a:bodyPr/>
-                    <a:lstStyle/>
-                    <a:p>
-                      <a:pPr marL="0" marR="0" lvl="0" indent="0" algn="ctr" defTabSz="914400" rtl="0" eaLnBrk="1" fontAlgn="auto" latinLnBrk="0" hangingPunct="1">
-                        <a:lnSpc>
-                          <a:spcPct val="100000"/>
-                        </a:lnSpc>
-                        <a:spcBef>
-                          <a:spcPts val="0"/>
-                        </a:spcBef>
-                        <a:spcAft>
-                          <a:spcPts val="0"/>
-                        </a:spcAft>
-                        <a:buClrTx/>
-                        <a:buSzTx/>
-                        <a:buFontTx/>
-                        <a:buNone/>
-                        <a:tabLst/>
-                        <a:defRPr/>
-                      </a:pPr>
-                      <a:endParaRPr kumimoji="1" lang="en-US" altLang="ko-KR" sz="1000" dirty="0">
-                        <a:solidFill>
-                          <a:schemeClr val="tx1"/>
-                        </a:solidFill>
-                        <a:latin typeface="+mn-ea"/>
-                        <a:ea typeface="+mn-ea"/>
-                      </a:endParaRPr>
-                    </a:p>
-                  </a:txBody>
-                  <a:tcPr anchor="ctr">
-                    <a:lnR w="3175" cap="flat" cmpd="sng" algn="ctr">
-                      <a:solidFill>
-                        <a:schemeClr val="tx1"/>
-                      </a:solidFill>
-                      <a:prstDash val="solid"/>
-                      <a:round/>
-                      <a:headEnd type="none" w="med" len="med"/>
-                      <a:tailEnd type="none" w="med" len="med"/>
-                    </a:lnR>
-                    <a:lnT w="3175" cap="flat" cmpd="sng" algn="ctr">
-                      <a:solidFill>
-                        <a:schemeClr val="tx1"/>
-                      </a:solidFill>
-                      <a:prstDash val="solid"/>
-                      <a:round/>
-                      <a:headEnd type="none" w="med" len="med"/>
-                      <a:tailEnd type="none" w="med" len="med"/>
-                    </a:lnT>
-                    <a:lnB w="3175" cap="flat" cmpd="sng" algn="ctr">
-                      <a:solidFill>
-                        <a:schemeClr val="tx1"/>
-                      </a:solidFill>
-                      <a:prstDash val="solid"/>
-                      <a:round/>
-                      <a:headEnd type="none" w="med" len="med"/>
-                      <a:tailEnd type="none" w="med" len="med"/>
-                    </a:lnB>
-                  </a:tcPr>
-                </a:tc>
-                <a:tc>
-                  <a:txBody>
-                    <a:bodyPr/>
-                    <a:lstStyle/>
-                    <a:p>
-                      <a:pPr marL="0" marR="0" lvl="0" indent="0" algn="ctr" defTabSz="914400" rtl="0" eaLnBrk="1" fontAlgn="auto" latinLnBrk="0" hangingPunct="1">
-                        <a:lnSpc>
-                          <a:spcPct val="100000"/>
-                        </a:lnSpc>
-                        <a:spcBef>
-                          <a:spcPts val="0"/>
-                        </a:spcBef>
-                        <a:spcAft>
-                          <a:spcPts val="0"/>
-                        </a:spcAft>
-                        <a:buClrTx/>
-                        <a:buSzTx/>
-                        <a:buFontTx/>
-                        <a:buNone/>
-                        <a:tabLst/>
-                        <a:defRPr/>
-                      </a:pPr>
-                      <a:endParaRPr kumimoji="1" lang="en-US" altLang="ko-KR" sz="1000" dirty="0">
-                        <a:solidFill>
-                          <a:schemeClr val="tx1"/>
-                        </a:solidFill>
-                        <a:latin typeface="+mn-ea"/>
-                        <a:ea typeface="+mn-ea"/>
-                      </a:endParaRPr>
-                    </a:p>
-                  </a:txBody>
-                  <a:tcPr anchor="ctr">
-                    <a:lnL w="3175" cap="flat" cmpd="sng" algn="ctr">
-                      <a:solidFill>
-                        <a:schemeClr val="tx1"/>
-                      </a:solidFill>
-                      <a:prstDash val="solid"/>
-                      <a:round/>
-                      <a:headEnd type="none" w="med" len="med"/>
-                      <a:tailEnd type="none" w="med" len="med"/>
-                    </a:lnL>
-                    <a:lnR w="3175" cap="flat" cmpd="sng" algn="ctr">
-                      <a:solidFill>
-                        <a:schemeClr val="tx1"/>
-                      </a:solidFill>
-                      <a:prstDash val="solid"/>
-                      <a:round/>
-                      <a:headEnd type="none" w="med" len="med"/>
-                      <a:tailEnd type="none" w="med" len="med"/>
-                    </a:lnR>
-                    <a:lnT w="3175" cap="flat" cmpd="sng" algn="ctr">
-                      <a:solidFill>
-                        <a:schemeClr val="tx1"/>
-                      </a:solidFill>
-                      <a:prstDash val="solid"/>
-                      <a:round/>
-                      <a:headEnd type="none" w="med" len="med"/>
-                      <a:tailEnd type="none" w="med" len="med"/>
-                    </a:lnT>
-                    <a:lnB w="3175" cap="flat" cmpd="sng" algn="ctr">
-                      <a:solidFill>
-                        <a:schemeClr val="tx1"/>
-                      </a:solidFill>
-                      <a:prstDash val="solid"/>
-                      <a:round/>
-                      <a:headEnd type="none" w="med" len="med"/>
-                      <a:tailEnd type="none" w="med" len="med"/>
-                    </a:lnB>
-                  </a:tcPr>
-                </a:tc>
-                <a:tc>
-                  <a:txBody>
-                    <a:bodyPr/>
-                    <a:lstStyle/>
-                    <a:p>
-                      <a:pPr marL="0" marR="0" lvl="0" indent="0" algn="l" defTabSz="914400" rtl="0" eaLnBrk="1" fontAlgn="auto" latinLnBrk="0" hangingPunct="1">
-                        <a:lnSpc>
-                          <a:spcPct val="100000"/>
-                        </a:lnSpc>
-                        <a:spcBef>
-                          <a:spcPts val="0"/>
-                        </a:spcBef>
-                        <a:spcAft>
-                          <a:spcPts val="0"/>
-                        </a:spcAft>
-                        <a:buClrTx/>
-                        <a:buSzTx/>
-                        <a:buFontTx/>
-                        <a:buNone/>
-                        <a:tabLst/>
-                        <a:defRPr/>
-                      </a:pPr>
-                      <a:endParaRPr lang="en-US" sz="1000" kern="1200" dirty="0">
                         <a:solidFill>
                           <a:schemeClr val="tx1">
                             <a:lumMod val="75000"/>
@@ -15346,29 +15173,14 @@
           </a:xfrm>
           <a:prstGeom prst="roundRect">
             <a:avLst>
-              <a:gd name="adj" fmla="val 12970"/>
+              <a:gd name="adj" fmla="val 50000"/>
             </a:avLst>
           </a:prstGeom>
           <a:solidFill>
             <a:srgbClr val="515E65"/>
           </a:solidFill>
           <a:ln w="3175">
-            <a:gradFill>
-              <a:gsLst>
-                <a:gs pos="0">
-                  <a:schemeClr val="bg1">
-                    <a:lumMod val="65000"/>
-                  </a:schemeClr>
-                </a:gs>
-                <a:gs pos="100000">
-                  <a:schemeClr val="tx1">
-                    <a:lumMod val="65000"/>
-                    <a:lumOff val="35000"/>
-                  </a:schemeClr>
-                </a:gs>
-              </a:gsLst>
-              <a:lin ang="5400000" scaled="0"/>
-            </a:gradFill>
+            <a:noFill/>
           </a:ln>
           <a:effectLst/>
         </p:spPr>
@@ -15423,12 +15235,12 @@
         </p:nvSpPr>
         <p:spPr>
           <a:xfrm>
-            <a:off x="1607225" y="4714266"/>
+            <a:off x="1607225" y="4712254"/>
             <a:ext cx="1958678" cy="277095"/>
           </a:xfrm>
           <a:prstGeom prst="roundRect">
             <a:avLst>
-              <a:gd name="adj" fmla="val 19027"/>
+              <a:gd name="adj" fmla="val 50000"/>
             </a:avLst>
           </a:prstGeom>
           <a:solidFill>
@@ -15439,7 +15251,7 @@
           <a:ln w="3175">
             <a:solidFill>
               <a:schemeClr val="bg1">
-                <a:lumMod val="75000"/>
+                <a:lumMod val="85000"/>
               </a:schemeClr>
             </a:solidFill>
           </a:ln>
@@ -15495,7 +15307,7 @@
           </a:xfrm>
           <a:prstGeom prst="roundRect">
             <a:avLst>
-              <a:gd name="adj" fmla="val 17174"/>
+              <a:gd name="adj" fmla="val 50000"/>
             </a:avLst>
           </a:prstGeom>
           <a:solidFill>
@@ -15503,9 +15315,7 @@
           </a:solidFill>
           <a:ln w="3175">
             <a:solidFill>
-              <a:schemeClr val="bg1">
-                <a:lumMod val="50000"/>
-              </a:schemeClr>
+              <a:srgbClr val="515E65"/>
             </a:solidFill>
           </a:ln>
           <a:effectLst/>
@@ -15600,7 +15410,7 @@
         <p:spPr>
           <a:xfrm>
             <a:off x="1607225" y="3518146"/>
-            <a:ext cx="897849" cy="246221"/>
+            <a:ext cx="1619451" cy="246221"/>
           </a:xfrm>
           <a:prstGeom prst="rect">
             <a:avLst/>
@@ -15614,11 +15424,18 @@
           <a:lstStyle/>
           <a:p>
             <a:r>
-              <a:rPr lang="ko-KR" altLang="en-US" sz="1000" dirty="0" smtClean="0">
+              <a:rPr lang="en-US" altLang="ko-KR" sz="1000" dirty="0" smtClean="0">
                 <a:latin typeface="나눔스퀘어 Bold" panose="020B0600000101010101" pitchFamily="50" charset="-127"/>
                 <a:ea typeface="나눔스퀘어 Bold" panose="020B0600000101010101" pitchFamily="50" charset="-127"/>
               </a:rPr>
-              <a:t>라인 버튼</a:t>
+              <a:t>Outlined </a:t>
+            </a:r>
+            <a:r>
+              <a:rPr lang="en-US" altLang="ko-KR" sz="1000" dirty="0" err="1" smtClean="0">
+                <a:latin typeface="나눔스퀘어 Bold" panose="020B0600000101010101" pitchFamily="50" charset="-127"/>
+                <a:ea typeface="나눔스퀘어 Bold" panose="020B0600000101010101" pitchFamily="50" charset="-127"/>
+              </a:rPr>
+              <a:t>botton</a:t>
             </a:r>
             <a:endParaRPr lang="ko-KR" altLang="en-US" sz="1000" dirty="0">
               <a:latin typeface="나눔스퀘어 Bold" panose="020B0600000101010101" pitchFamily="50" charset="-127"/>
@@ -15654,7 +15471,7 @@
                 <a:latin typeface="나눔스퀘어 Bold" panose="020B0600000101010101" pitchFamily="50" charset="-127"/>
                 <a:ea typeface="나눔스퀘어 Bold" panose="020B0600000101010101" pitchFamily="50" charset="-127"/>
               </a:rPr>
-              <a:t>Normal</a:t>
+              <a:t>Enabled</a:t>
             </a:r>
             <a:endParaRPr lang="ko-KR" altLang="en-US" sz="1000" dirty="0">
               <a:latin typeface="나눔스퀘어 Bold" panose="020B0600000101010101" pitchFamily="50" charset="-127"/>
@@ -15726,79 +15543,7 @@
                 <a:latin typeface="나눔스퀘어 Bold" panose="020B0600000101010101" pitchFamily="50" charset="-127"/>
                 <a:ea typeface="나눔스퀘어 Bold" panose="020B0600000101010101" pitchFamily="50" charset="-127"/>
               </a:rPr>
-              <a:t>Disable</a:t>
-            </a:r>
-            <a:endParaRPr lang="ko-KR" altLang="en-US" sz="1000" dirty="0">
-              <a:latin typeface="나눔스퀘어 Bold" panose="020B0600000101010101" pitchFamily="50" charset="-127"/>
-              <a:ea typeface="나눔스퀘어 Bold" panose="020B0600000101010101" pitchFamily="50" charset="-127"/>
-            </a:endParaRPr>
-          </a:p>
-        </p:txBody>
-      </p:sp>
-      <p:sp>
-        <p:nvSpPr>
-          <p:cNvPr id="13" name="TextBox 12"/>
-          <p:cNvSpPr txBox="1"/>
-          <p:nvPr/>
-        </p:nvSpPr>
-        <p:spPr>
-          <a:xfrm>
-            <a:off x="766525" y="3901475"/>
-            <a:ext cx="897849" cy="246221"/>
-          </a:xfrm>
-          <a:prstGeom prst="rect">
-            <a:avLst/>
-          </a:prstGeom>
-          <a:noFill/>
-        </p:spPr>
-        <p:txBody>
-          <a:bodyPr wrap="square" rtlCol="0">
-            <a:spAutoFit/>
-          </a:bodyPr>
-          <a:lstStyle/>
-          <a:p>
-            <a:r>
-              <a:rPr lang="en-US" altLang="ko-KR" sz="1000" dirty="0" smtClean="0">
-                <a:latin typeface="나눔스퀘어 Bold" panose="020B0600000101010101" pitchFamily="50" charset="-127"/>
-                <a:ea typeface="나눔스퀘어 Bold" panose="020B0600000101010101" pitchFamily="50" charset="-127"/>
-              </a:rPr>
-              <a:t>Normal</a:t>
-            </a:r>
-            <a:endParaRPr lang="ko-KR" altLang="en-US" sz="1000" dirty="0">
-              <a:latin typeface="나눔스퀘어 Bold" panose="020B0600000101010101" pitchFamily="50" charset="-127"/>
-              <a:ea typeface="나눔스퀘어 Bold" panose="020B0600000101010101" pitchFamily="50" charset="-127"/>
-            </a:endParaRPr>
-          </a:p>
-        </p:txBody>
-      </p:sp>
-      <p:sp>
-        <p:nvSpPr>
-          <p:cNvPr id="14" name="TextBox 13"/>
-          <p:cNvSpPr txBox="1"/>
-          <p:nvPr/>
-        </p:nvSpPr>
-        <p:spPr>
-          <a:xfrm>
-            <a:off x="766524" y="4700430"/>
-            <a:ext cx="897849" cy="246221"/>
-          </a:xfrm>
-          <a:prstGeom prst="rect">
-            <a:avLst/>
-          </a:prstGeom>
-          <a:noFill/>
-        </p:spPr>
-        <p:txBody>
-          <a:bodyPr wrap="square" rtlCol="0">
-            <a:spAutoFit/>
-          </a:bodyPr>
-          <a:lstStyle/>
-          <a:p>
-            <a:r>
-              <a:rPr lang="en-US" altLang="ko-KR" sz="1000" dirty="0" smtClean="0">
-                <a:latin typeface="나눔스퀘어 Bold" panose="020B0600000101010101" pitchFamily="50" charset="-127"/>
-                <a:ea typeface="나눔스퀘어 Bold" panose="020B0600000101010101" pitchFamily="50" charset="-127"/>
-              </a:rPr>
-              <a:t>Disable</a:t>
+              <a:t>Disabled</a:t>
             </a:r>
             <a:endParaRPr lang="ko-KR" altLang="en-US" sz="1000" dirty="0">
               <a:latin typeface="나눔스퀘어 Bold" panose="020B0600000101010101" pitchFamily="50" charset="-127"/>
@@ -15832,13 +15577,13 @@
       </p:sp>
       <p:sp>
         <p:nvSpPr>
-          <p:cNvPr id="17" name="TextBox 16"/>
+          <p:cNvPr id="16" name="TextBox 15"/>
           <p:cNvSpPr txBox="1"/>
           <p:nvPr/>
         </p:nvSpPr>
         <p:spPr>
           <a:xfrm>
-            <a:off x="766524" y="4296922"/>
+            <a:off x="766525" y="3954979"/>
             <a:ext cx="897849" cy="246221"/>
           </a:xfrm>
           <a:prstGeom prst="rect">
@@ -15857,7 +15602,7 @@
                 <a:latin typeface="나눔스퀘어 Bold" panose="020B0600000101010101" pitchFamily="50" charset="-127"/>
                 <a:ea typeface="나눔스퀘어 Bold" panose="020B0600000101010101" pitchFamily="50" charset="-127"/>
               </a:rPr>
-              <a:t>Press</a:t>
+              <a:t>Enabled</a:t>
             </a:r>
             <a:endParaRPr lang="ko-KR" altLang="en-US" sz="1000" dirty="0">
               <a:latin typeface="나눔스퀘어 Bold" panose="020B0600000101010101" pitchFamily="50" charset="-127"/>
@@ -15868,43 +15613,241 @@
       </p:sp>
       <p:sp>
         <p:nvSpPr>
-          <p:cNvPr id="19" name="버튼 1개"/>
+          <p:cNvPr id="18" name="TextBox 17"/>
+          <p:cNvSpPr txBox="1"/>
+          <p:nvPr/>
+        </p:nvSpPr>
+        <p:spPr>
+          <a:xfrm>
+            <a:off x="766525" y="4338468"/>
+            <a:ext cx="897849" cy="246221"/>
+          </a:xfrm>
+          <a:prstGeom prst="rect">
+            <a:avLst/>
+          </a:prstGeom>
+          <a:noFill/>
+        </p:spPr>
+        <p:txBody>
+          <a:bodyPr wrap="square" rtlCol="0">
+            <a:spAutoFit/>
+          </a:bodyPr>
+          <a:lstStyle/>
+          <a:p>
+            <a:r>
+              <a:rPr lang="en-US" altLang="ko-KR" sz="1000" dirty="0" smtClean="0">
+                <a:latin typeface="나눔스퀘어 Bold" panose="020B0600000101010101" pitchFamily="50" charset="-127"/>
+                <a:ea typeface="나눔스퀘어 Bold" panose="020B0600000101010101" pitchFamily="50" charset="-127"/>
+              </a:rPr>
+              <a:t>Pressed</a:t>
+            </a:r>
+            <a:endParaRPr lang="ko-KR" altLang="en-US" sz="1000" dirty="0">
+              <a:latin typeface="나눔스퀘어 Bold" panose="020B0600000101010101" pitchFamily="50" charset="-127"/>
+              <a:ea typeface="나눔스퀘어 Bold" panose="020B0600000101010101" pitchFamily="50" charset="-127"/>
+            </a:endParaRPr>
+          </a:p>
+        </p:txBody>
+      </p:sp>
+      <p:sp>
+        <p:nvSpPr>
+          <p:cNvPr id="20" name="TextBox 19"/>
+          <p:cNvSpPr txBox="1"/>
+          <p:nvPr/>
+        </p:nvSpPr>
+        <p:spPr>
+          <a:xfrm>
+            <a:off x="766525" y="4722512"/>
+            <a:ext cx="897849" cy="246221"/>
+          </a:xfrm>
+          <a:prstGeom prst="rect">
+            <a:avLst/>
+          </a:prstGeom>
+          <a:noFill/>
+        </p:spPr>
+        <p:txBody>
+          <a:bodyPr wrap="square" rtlCol="0">
+            <a:spAutoFit/>
+          </a:bodyPr>
+          <a:lstStyle/>
+          <a:p>
+            <a:r>
+              <a:rPr lang="en-US" altLang="ko-KR" sz="1000" dirty="0" smtClean="0">
+                <a:latin typeface="나눔스퀘어 Bold" panose="020B0600000101010101" pitchFamily="50" charset="-127"/>
+                <a:ea typeface="나눔스퀘어 Bold" panose="020B0600000101010101" pitchFamily="50" charset="-127"/>
+              </a:rPr>
+              <a:t>Disabled</a:t>
+            </a:r>
+            <a:endParaRPr lang="ko-KR" altLang="en-US" sz="1000" dirty="0">
+              <a:latin typeface="나눔스퀘어 Bold" panose="020B0600000101010101" pitchFamily="50" charset="-127"/>
+              <a:ea typeface="나눔스퀘어 Bold" panose="020B0600000101010101" pitchFamily="50" charset="-127"/>
+            </a:endParaRPr>
+          </a:p>
+        </p:txBody>
+      </p:sp>
+      <p:sp>
+        <p:nvSpPr>
+          <p:cNvPr id="21" name="버튼 1개"/>
           <p:cNvSpPr/>
           <p:nvPr/>
         </p:nvSpPr>
         <p:spPr>
           <a:xfrm>
-            <a:off x="1607225" y="2074319"/>
+            <a:off x="1607225" y="2064157"/>
             <a:ext cx="1958678" cy="258950"/>
           </a:xfrm>
           <a:prstGeom prst="roundRect">
             <a:avLst>
-              <a:gd name="adj" fmla="val 12970"/>
+              <a:gd name="adj" fmla="val 50000"/>
             </a:avLst>
           </a:prstGeom>
           <a:solidFill>
-            <a:schemeClr val="tx1">
-              <a:lumMod val="50000"/>
-              <a:lumOff val="50000"/>
+            <a:srgbClr val="363F44"/>
+          </a:solidFill>
+          <a:ln w="3175">
+            <a:noFill/>
+          </a:ln>
+          <a:effectLst/>
+        </p:spPr>
+        <p:style>
+          <a:lnRef idx="2">
+            <a:schemeClr val="accent1">
+              <a:shade val="50000"/>
+            </a:schemeClr>
+          </a:lnRef>
+          <a:fillRef idx="1">
+            <a:schemeClr val="accent1"/>
+          </a:fillRef>
+          <a:effectRef idx="0">
+            <a:schemeClr val="accent1"/>
+          </a:effectRef>
+          <a:fontRef idx="minor">
+            <a:schemeClr val="lt1"/>
+          </a:fontRef>
+        </p:style>
+        <p:txBody>
+          <a:bodyPr rtlCol="0" anchor="ctr"/>
+          <a:lstStyle/>
+          <a:p>
+            <a:pPr algn="ctr" defTabSz="457200" latinLnBrk="0"/>
+            <a:r>
+              <a:rPr lang="en-US" altLang="ko-KR" sz="900" b="1" dirty="0" smtClean="0">
+                <a:solidFill>
+                  <a:schemeClr val="bg1"/>
+                </a:solidFill>
+                <a:latin typeface="나눔스퀘어 Bold" panose="020B0600000101010101" pitchFamily="50" charset="-127"/>
+                <a:ea typeface="나눔스퀘어 Bold" panose="020B0600000101010101" pitchFamily="50" charset="-127"/>
+                <a:cs typeface="Arial" panose="020B0604020202020204" pitchFamily="34" charset="0"/>
+              </a:rPr>
+              <a:t>BOTTON</a:t>
+            </a:r>
+            <a:endParaRPr lang="en-US" altLang="ko-KR" sz="900" b="1" dirty="0">
+              <a:solidFill>
+                <a:schemeClr val="bg1"/>
+              </a:solidFill>
+              <a:latin typeface="나눔스퀘어 Bold" panose="020B0600000101010101" pitchFamily="50" charset="-127"/>
+              <a:ea typeface="나눔스퀘어 Bold" panose="020B0600000101010101" pitchFamily="50" charset="-127"/>
+              <a:cs typeface="Arial" panose="020B0604020202020204" pitchFamily="34" charset="0"/>
+            </a:endParaRPr>
+          </a:p>
+        </p:txBody>
+      </p:sp>
+      <p:sp>
+        <p:nvSpPr>
+          <p:cNvPr id="22" name="버튼 1개"/>
+          <p:cNvSpPr/>
+          <p:nvPr/>
+        </p:nvSpPr>
+        <p:spPr>
+          <a:xfrm>
+            <a:off x="1607225" y="2446128"/>
+            <a:ext cx="1958678" cy="258950"/>
+          </a:xfrm>
+          <a:prstGeom prst="roundRect">
+            <a:avLst>
+              <a:gd name="adj" fmla="val 50000"/>
+            </a:avLst>
+          </a:prstGeom>
+          <a:solidFill>
+            <a:schemeClr val="bg1">
+              <a:lumMod val="75000"/>
             </a:schemeClr>
           </a:solidFill>
           <a:ln w="3175">
-            <a:gradFill>
-              <a:gsLst>
-                <a:gs pos="0">
+            <a:noFill/>
+          </a:ln>
+          <a:effectLst/>
+        </p:spPr>
+        <p:style>
+          <a:lnRef idx="2">
+            <a:schemeClr val="accent1">
+              <a:shade val="50000"/>
+            </a:schemeClr>
+          </a:lnRef>
+          <a:fillRef idx="1">
+            <a:schemeClr val="accent1"/>
+          </a:fillRef>
+          <a:effectRef idx="0">
+            <a:schemeClr val="accent1"/>
+          </a:effectRef>
+          <a:fontRef idx="minor">
+            <a:schemeClr val="lt1"/>
+          </a:fontRef>
+        </p:style>
+        <p:txBody>
+          <a:bodyPr rtlCol="0" anchor="ctr"/>
+          <a:lstStyle/>
+          <a:p>
+            <a:pPr algn="ctr" defTabSz="457200" latinLnBrk="0"/>
+            <a:r>
+              <a:rPr lang="en-US" altLang="ko-KR" sz="900" b="1" dirty="0" smtClean="0">
+                <a:solidFill>
                   <a:schemeClr val="bg1">
-                    <a:lumMod val="65000"/>
+                    <a:lumMod val="50000"/>
                   </a:schemeClr>
-                </a:gs>
-                <a:gs pos="100000">
-                  <a:schemeClr val="tx1">
-                    <a:lumMod val="65000"/>
-                    <a:lumOff val="35000"/>
-                  </a:schemeClr>
-                </a:gs>
-              </a:gsLst>
-              <a:lin ang="5400000" scaled="0"/>
-            </a:gradFill>
+                </a:solidFill>
+                <a:latin typeface="나눔스퀘어 Bold" panose="020B0600000101010101" pitchFamily="50" charset="-127"/>
+                <a:ea typeface="나눔스퀘어 Bold" panose="020B0600000101010101" pitchFamily="50" charset="-127"/>
+                <a:cs typeface="Arial" panose="020B0604020202020204" pitchFamily="34" charset="0"/>
+              </a:rPr>
+              <a:t>BOTTON</a:t>
+            </a:r>
+            <a:endParaRPr lang="en-US" altLang="ko-KR" sz="900" b="1" dirty="0">
+              <a:solidFill>
+                <a:schemeClr val="bg1">
+                  <a:lumMod val="50000"/>
+                </a:schemeClr>
+              </a:solidFill>
+              <a:latin typeface="나눔스퀘어 Bold" panose="020B0600000101010101" pitchFamily="50" charset="-127"/>
+              <a:ea typeface="나눔스퀘어 Bold" panose="020B0600000101010101" pitchFamily="50" charset="-127"/>
+              <a:cs typeface="Arial" panose="020B0604020202020204" pitchFamily="34" charset="0"/>
+            </a:endParaRPr>
+          </a:p>
+        </p:txBody>
+      </p:sp>
+      <p:sp>
+        <p:nvSpPr>
+          <p:cNvPr id="23" name="버튼 1개"/>
+          <p:cNvSpPr/>
+          <p:nvPr/>
+        </p:nvSpPr>
+        <p:spPr>
+          <a:xfrm>
+            <a:off x="1607225" y="4323030"/>
+            <a:ext cx="1958678" cy="277095"/>
+          </a:xfrm>
+          <a:prstGeom prst="roundRect">
+            <a:avLst>
+              <a:gd name="adj" fmla="val 50000"/>
+            </a:avLst>
+          </a:prstGeom>
+          <a:solidFill>
+            <a:schemeClr val="bg1">
+              <a:lumMod val="85000"/>
+            </a:schemeClr>
+          </a:solidFill>
+          <a:ln w="3175">
+            <a:solidFill>
+              <a:srgbClr val="515E65"/>
+            </a:solidFill>
           </a:ln>
           <a:effectLst/>
         </p:spPr>
@@ -15932,7 +15875,10 @@
             <a:r>
               <a:rPr lang="en-US" altLang="ko-KR" sz="900" b="1" dirty="0">
                 <a:solidFill>
-                  <a:schemeClr val="bg1"/>
+                  <a:schemeClr val="tx1">
+                    <a:lumMod val="75000"/>
+                    <a:lumOff val="25000"/>
+                  </a:schemeClr>
                 </a:solidFill>
                 <a:latin typeface="나눔스퀘어 Bold" panose="020B0600000101010101" pitchFamily="50" charset="-127"/>
                 <a:ea typeface="나눔스퀘어 Bold" panose="020B0600000101010101" pitchFamily="50" charset="-127"/>
@@ -15997,9 +15943,361 @@
           <a:p>
             <a:r>
               <a:rPr lang="en-US" altLang="ko-KR" dirty="0" smtClean="0"/>
-              <a:t>Selection Controls</a:t>
+              <a:t>Text field</a:t>
             </a:r>
             <a:endParaRPr lang="ko-KR" altLang="en-US" dirty="0"/>
+          </a:p>
+        </p:txBody>
+      </p:sp>
+      <p:sp>
+        <p:nvSpPr>
+          <p:cNvPr id="3" name="TextBox 2"/>
+          <p:cNvSpPr txBox="1"/>
+          <p:nvPr/>
+        </p:nvSpPr>
+        <p:spPr>
+          <a:xfrm>
+            <a:off x="766524" y="1669704"/>
+            <a:ext cx="897849" cy="246221"/>
+          </a:xfrm>
+          <a:prstGeom prst="rect">
+            <a:avLst/>
+          </a:prstGeom>
+          <a:noFill/>
+        </p:spPr>
+        <p:txBody>
+          <a:bodyPr wrap="square" rtlCol="0">
+            <a:spAutoFit/>
+          </a:bodyPr>
+          <a:lstStyle/>
+          <a:p>
+            <a:r>
+              <a:rPr lang="en-US" altLang="ko-KR" sz="1000" dirty="0" smtClean="0">
+                <a:solidFill>
+                  <a:srgbClr val="515E65"/>
+                </a:solidFill>
+                <a:latin typeface="나눔스퀘어 Bold" panose="020B0600000101010101" pitchFamily="50" charset="-127"/>
+                <a:ea typeface="나눔스퀘어 Bold" panose="020B0600000101010101" pitchFamily="50" charset="-127"/>
+              </a:rPr>
+              <a:t>Field </a:t>
+            </a:r>
+            <a:r>
+              <a:rPr lang="en-US" altLang="ko-KR" sz="1000" dirty="0" err="1" smtClean="0">
+                <a:solidFill>
+                  <a:srgbClr val="515E65"/>
+                </a:solidFill>
+                <a:latin typeface="나눔스퀘어 Bold" panose="020B0600000101010101" pitchFamily="50" charset="-127"/>
+                <a:ea typeface="나눔스퀘어 Bold" panose="020B0600000101010101" pitchFamily="50" charset="-127"/>
+              </a:rPr>
+              <a:t>lable</a:t>
+            </a:r>
+            <a:endParaRPr lang="ko-KR" altLang="en-US" sz="1000" dirty="0">
+              <a:solidFill>
+                <a:srgbClr val="515E65"/>
+              </a:solidFill>
+              <a:latin typeface="나눔스퀘어 Bold" panose="020B0600000101010101" pitchFamily="50" charset="-127"/>
+              <a:ea typeface="나눔스퀘어 Bold" panose="020B0600000101010101" pitchFamily="50" charset="-127"/>
+            </a:endParaRPr>
+          </a:p>
+        </p:txBody>
+      </p:sp>
+      <p:cxnSp>
+        <p:nvCxnSpPr>
+          <p:cNvPr id="5" name="직선 연결선 4"/>
+          <p:cNvCxnSpPr/>
+          <p:nvPr/>
+        </p:nvCxnSpPr>
+        <p:spPr>
+          <a:xfrm>
+            <a:off x="835270" y="2268414"/>
+            <a:ext cx="2224454" cy="0"/>
+          </a:xfrm>
+          <a:prstGeom prst="line">
+            <a:avLst/>
+          </a:prstGeom>
+          <a:ln>
+            <a:solidFill>
+              <a:srgbClr val="363F44"/>
+            </a:solidFill>
+          </a:ln>
+        </p:spPr>
+        <p:style>
+          <a:lnRef idx="1">
+            <a:schemeClr val="accent1"/>
+          </a:lnRef>
+          <a:fillRef idx="0">
+            <a:schemeClr val="accent1"/>
+          </a:fillRef>
+          <a:effectRef idx="0">
+            <a:schemeClr val="accent1"/>
+          </a:effectRef>
+          <a:fontRef idx="minor">
+            <a:schemeClr val="tx1"/>
+          </a:fontRef>
+        </p:style>
+      </p:cxnSp>
+      <p:sp>
+        <p:nvSpPr>
+          <p:cNvPr id="6" name="TextBox 5"/>
+          <p:cNvSpPr txBox="1"/>
+          <p:nvPr/>
+        </p:nvSpPr>
+        <p:spPr>
+          <a:xfrm>
+            <a:off x="766524" y="1987025"/>
+            <a:ext cx="1211745" cy="276999"/>
+          </a:xfrm>
+          <a:prstGeom prst="rect">
+            <a:avLst/>
+          </a:prstGeom>
+          <a:noFill/>
+        </p:spPr>
+        <p:txBody>
+          <a:bodyPr wrap="square" rtlCol="0">
+            <a:spAutoFit/>
+          </a:bodyPr>
+          <a:lstStyle/>
+          <a:p>
+            <a:r>
+              <a:rPr lang="en-US" altLang="ko-KR" sz="1200" dirty="0" smtClean="0">
+                <a:solidFill>
+                  <a:schemeClr val="bg1">
+                    <a:lumMod val="50000"/>
+                  </a:schemeClr>
+                </a:solidFill>
+                <a:latin typeface="나눔스퀘어" panose="020B0600000101010101" pitchFamily="50" charset="-127"/>
+                <a:ea typeface="나눔스퀘어" panose="020B0600000101010101" pitchFamily="50" charset="-127"/>
+              </a:rPr>
+              <a:t>Place holder</a:t>
+            </a:r>
+            <a:endParaRPr lang="ko-KR" altLang="en-US" sz="1200" dirty="0">
+              <a:solidFill>
+                <a:schemeClr val="bg1">
+                  <a:lumMod val="50000"/>
+                </a:schemeClr>
+              </a:solidFill>
+              <a:latin typeface="나눔스퀘어" panose="020B0600000101010101" pitchFamily="50" charset="-127"/>
+              <a:ea typeface="나눔스퀘어" panose="020B0600000101010101" pitchFamily="50" charset="-127"/>
+            </a:endParaRPr>
+          </a:p>
+        </p:txBody>
+      </p:sp>
+      <p:sp>
+        <p:nvSpPr>
+          <p:cNvPr id="8" name="TextBox 7"/>
+          <p:cNvSpPr txBox="1"/>
+          <p:nvPr/>
+        </p:nvSpPr>
+        <p:spPr>
+          <a:xfrm>
+            <a:off x="835270" y="1003967"/>
+            <a:ext cx="1907930" cy="276999"/>
+          </a:xfrm>
+          <a:prstGeom prst="rect">
+            <a:avLst/>
+          </a:prstGeom>
+          <a:noFill/>
+        </p:spPr>
+        <p:txBody>
+          <a:bodyPr wrap="square" rtlCol="0">
+            <a:spAutoFit/>
+          </a:bodyPr>
+          <a:lstStyle/>
+          <a:p>
+            <a:r>
+              <a:rPr lang="en-US" altLang="ko-KR" sz="1200" b="1" dirty="0" smtClean="0">
+                <a:latin typeface="나눔스퀘어" panose="020B0600000101010101" pitchFamily="50" charset="-127"/>
+                <a:ea typeface="나눔스퀘어" panose="020B0600000101010101" pitchFamily="50" charset="-127"/>
+              </a:rPr>
+              <a:t>Case 1) </a:t>
+            </a:r>
+            <a:r>
+              <a:rPr lang="ko-KR" altLang="en-US" sz="1200" b="1" dirty="0" smtClean="0">
+                <a:latin typeface="나눔스퀘어" panose="020B0600000101010101" pitchFamily="50" charset="-127"/>
+                <a:ea typeface="나눔스퀘어" panose="020B0600000101010101" pitchFamily="50" charset="-127"/>
+              </a:rPr>
+              <a:t>기본</a:t>
+            </a:r>
+            <a:endParaRPr lang="ko-KR" altLang="en-US" sz="1200" b="1" dirty="0">
+              <a:latin typeface="나눔스퀘어" panose="020B0600000101010101" pitchFamily="50" charset="-127"/>
+              <a:ea typeface="나눔스퀘어" panose="020B0600000101010101" pitchFamily="50" charset="-127"/>
+            </a:endParaRPr>
+          </a:p>
+        </p:txBody>
+      </p:sp>
+      <p:sp>
+        <p:nvSpPr>
+          <p:cNvPr id="9" name="TextBox 8"/>
+          <p:cNvSpPr txBox="1"/>
+          <p:nvPr/>
+        </p:nvSpPr>
+        <p:spPr>
+          <a:xfrm>
+            <a:off x="4005024" y="1669704"/>
+            <a:ext cx="897849" cy="246221"/>
+          </a:xfrm>
+          <a:prstGeom prst="rect">
+            <a:avLst/>
+          </a:prstGeom>
+          <a:noFill/>
+        </p:spPr>
+        <p:txBody>
+          <a:bodyPr wrap="square" rtlCol="0">
+            <a:spAutoFit/>
+          </a:bodyPr>
+          <a:lstStyle/>
+          <a:p>
+            <a:r>
+              <a:rPr lang="en-US" altLang="ko-KR" sz="1000" dirty="0" smtClean="0">
+                <a:solidFill>
+                  <a:srgbClr val="515E65"/>
+                </a:solidFill>
+                <a:latin typeface="나눔스퀘어 Bold" panose="020B0600000101010101" pitchFamily="50" charset="-127"/>
+                <a:ea typeface="나눔스퀘어 Bold" panose="020B0600000101010101" pitchFamily="50" charset="-127"/>
+              </a:rPr>
+              <a:t>Field </a:t>
+            </a:r>
+            <a:r>
+              <a:rPr lang="en-US" altLang="ko-KR" sz="1000" dirty="0" err="1" smtClean="0">
+                <a:solidFill>
+                  <a:srgbClr val="515E65"/>
+                </a:solidFill>
+                <a:latin typeface="나눔스퀘어 Bold" panose="020B0600000101010101" pitchFamily="50" charset="-127"/>
+                <a:ea typeface="나눔스퀘어 Bold" panose="020B0600000101010101" pitchFamily="50" charset="-127"/>
+              </a:rPr>
+              <a:t>lable</a:t>
+            </a:r>
+            <a:endParaRPr lang="ko-KR" altLang="en-US" sz="1000" dirty="0">
+              <a:solidFill>
+                <a:srgbClr val="515E65"/>
+              </a:solidFill>
+              <a:latin typeface="나눔스퀘어 Bold" panose="020B0600000101010101" pitchFamily="50" charset="-127"/>
+              <a:ea typeface="나눔스퀘어 Bold" panose="020B0600000101010101" pitchFamily="50" charset="-127"/>
+            </a:endParaRPr>
+          </a:p>
+        </p:txBody>
+      </p:sp>
+      <p:cxnSp>
+        <p:nvCxnSpPr>
+          <p:cNvPr id="10" name="직선 연결선 9"/>
+          <p:cNvCxnSpPr/>
+          <p:nvPr/>
+        </p:nvCxnSpPr>
+        <p:spPr>
+          <a:xfrm>
+            <a:off x="4073770" y="2268414"/>
+            <a:ext cx="2224454" cy="0"/>
+          </a:xfrm>
+          <a:prstGeom prst="line">
+            <a:avLst/>
+          </a:prstGeom>
+          <a:ln>
+            <a:solidFill>
+              <a:srgbClr val="363F44"/>
+            </a:solidFill>
+          </a:ln>
+        </p:spPr>
+        <p:style>
+          <a:lnRef idx="1">
+            <a:schemeClr val="accent1"/>
+          </a:lnRef>
+          <a:fillRef idx="0">
+            <a:schemeClr val="accent1"/>
+          </a:fillRef>
+          <a:effectRef idx="0">
+            <a:schemeClr val="accent1"/>
+          </a:effectRef>
+          <a:fontRef idx="minor">
+            <a:schemeClr val="tx1"/>
+          </a:fontRef>
+        </p:style>
+      </p:cxnSp>
+      <p:sp>
+        <p:nvSpPr>
+          <p:cNvPr id="11" name="TextBox 10"/>
+          <p:cNvSpPr txBox="1"/>
+          <p:nvPr/>
+        </p:nvSpPr>
+        <p:spPr>
+          <a:xfrm>
+            <a:off x="4005024" y="1987025"/>
+            <a:ext cx="1211745" cy="276999"/>
+          </a:xfrm>
+          <a:prstGeom prst="rect">
+            <a:avLst/>
+          </a:prstGeom>
+          <a:noFill/>
+        </p:spPr>
+        <p:txBody>
+          <a:bodyPr wrap="square" rtlCol="0">
+            <a:spAutoFit/>
+          </a:bodyPr>
+          <a:lstStyle/>
+          <a:p>
+            <a:r>
+              <a:rPr lang="en-US" altLang="ko-KR" sz="1200" dirty="0" smtClean="0">
+                <a:solidFill>
+                  <a:schemeClr val="bg1">
+                    <a:lumMod val="50000"/>
+                  </a:schemeClr>
+                </a:solidFill>
+                <a:latin typeface="나눔스퀘어" panose="020B0600000101010101" pitchFamily="50" charset="-127"/>
+                <a:ea typeface="나눔스퀘어" panose="020B0600000101010101" pitchFamily="50" charset="-127"/>
+              </a:rPr>
+              <a:t>Place holder</a:t>
+            </a:r>
+            <a:endParaRPr lang="ko-KR" altLang="en-US" sz="1200" dirty="0">
+              <a:solidFill>
+                <a:schemeClr val="bg1">
+                  <a:lumMod val="50000"/>
+                </a:schemeClr>
+              </a:solidFill>
+              <a:latin typeface="나눔스퀘어" panose="020B0600000101010101" pitchFamily="50" charset="-127"/>
+              <a:ea typeface="나눔스퀘어" panose="020B0600000101010101" pitchFamily="50" charset="-127"/>
+            </a:endParaRPr>
+          </a:p>
+        </p:txBody>
+      </p:sp>
+      <p:sp>
+        <p:nvSpPr>
+          <p:cNvPr id="12" name="TextBox 11"/>
+          <p:cNvSpPr txBox="1"/>
+          <p:nvPr/>
+        </p:nvSpPr>
+        <p:spPr>
+          <a:xfrm>
+            <a:off x="4073770" y="1003967"/>
+            <a:ext cx="1907930" cy="276999"/>
+          </a:xfrm>
+          <a:prstGeom prst="rect">
+            <a:avLst/>
+          </a:prstGeom>
+          <a:noFill/>
+        </p:spPr>
+        <p:txBody>
+          <a:bodyPr wrap="square" rtlCol="0">
+            <a:spAutoFit/>
+          </a:bodyPr>
+          <a:lstStyle/>
+          <a:p>
+            <a:r>
+              <a:rPr lang="en-US" altLang="ko-KR" sz="1200" b="1" dirty="0" smtClean="0">
+                <a:latin typeface="나눔스퀘어" panose="020B0600000101010101" pitchFamily="50" charset="-127"/>
+                <a:ea typeface="나눔스퀘어" panose="020B0600000101010101" pitchFamily="50" charset="-127"/>
+              </a:rPr>
+              <a:t>Case 1) </a:t>
+            </a:r>
+            <a:r>
+              <a:rPr lang="ko-KR" altLang="en-US" sz="1200" b="1" dirty="0" smtClean="0">
+                <a:latin typeface="나눔스퀘어" panose="020B0600000101010101" pitchFamily="50" charset="-127"/>
+                <a:ea typeface="나눔스퀘어" panose="020B0600000101010101" pitchFamily="50" charset="-127"/>
+              </a:rPr>
+              <a:t>기본</a:t>
+            </a:r>
+            <a:endParaRPr lang="ko-KR" altLang="en-US" sz="1200" b="1" dirty="0">
+              <a:latin typeface="나눔스퀘어" panose="020B0600000101010101" pitchFamily="50" charset="-127"/>
+              <a:ea typeface="나눔스퀘어" panose="020B0600000101010101" pitchFamily="50" charset="-127"/>
+            </a:endParaRPr>
           </a:p>
         </p:txBody>
       </p:sp>
